--- a/tutorials/pipelines/tut_a_fun_bud/vector files/fig08_big.pptx
+++ b/tutorials/pipelines/tut_a_fun_bud/vector files/fig08_big.pptx
@@ -2975,10 +2975,10 @@
       </p:grpSpPr>
       <p:grpSp>
         <p:nvGrpSpPr>
-          <p:cNvPr id="8" name="Group 7">
+          <p:cNvPr id="19" name="Group 18">
             <a:extLst>
               <a:ext uri="{FF2B5EF4-FFF2-40B4-BE49-F238E27FC236}">
-                <a16:creationId xmlns:a16="http://schemas.microsoft.com/office/drawing/2014/main" id="{BC095ED3-E004-6AC6-9A64-F2165A863788}"/>
+                <a16:creationId xmlns:a16="http://schemas.microsoft.com/office/drawing/2014/main" id="{CE1F3A21-0548-D1E9-CB5E-0B61D0786228}"/>
               </a:ext>
             </a:extLst>
           </p:cNvPr>
@@ -2989,18 +2989,18 @@
         </p:nvGrpSpPr>
         <p:grpSpPr>
           <a:xfrm>
-            <a:off x="0" y="109960"/>
-            <a:ext cx="8781998" cy="5266481"/>
-            <a:chOff x="-382682" y="116512"/>
-            <a:chExt cx="8760145" cy="5253376"/>
+            <a:off x="-1" y="0"/>
+            <a:ext cx="8778875" cy="5611554"/>
+            <a:chOff x="-65318" y="0"/>
+            <a:chExt cx="8583080" cy="5486400"/>
           </a:xfrm>
         </p:grpSpPr>
         <p:pic>
           <p:nvPicPr>
-            <p:cNvPr id="7" name="Picture 6">
+            <p:cNvPr id="16" name="Picture 15">
               <a:extLst>
                 <a:ext uri="{FF2B5EF4-FFF2-40B4-BE49-F238E27FC236}">
-                  <a16:creationId xmlns:a16="http://schemas.microsoft.com/office/drawing/2014/main" id="{74D153E5-6D02-BDA7-D0D5-83AA927C1405}"/>
+                  <a16:creationId xmlns:a16="http://schemas.microsoft.com/office/drawing/2014/main" id="{9AF3F113-DF56-50CB-ACB2-C9FADDB5C370}"/>
                 </a:ext>
               </a:extLst>
             </p:cNvPr>
@@ -3017,8 +3017,8 @@
           </p:blipFill>
           <p:spPr>
             <a:xfrm>
-              <a:off x="1912711" y="116512"/>
-              <a:ext cx="2315492" cy="5253376"/>
+              <a:off x="6366233" y="0"/>
+              <a:ext cx="2151529" cy="5486400"/>
             </a:xfrm>
             <a:prstGeom prst="rect">
               <a:avLst/>
@@ -3027,10 +3027,10 @@
         </p:pic>
         <p:pic>
           <p:nvPicPr>
-            <p:cNvPr id="4" name="Picture 3">
+            <p:cNvPr id="5" name="Picture 4">
               <a:extLst>
                 <a:ext uri="{FF2B5EF4-FFF2-40B4-BE49-F238E27FC236}">
-                  <a16:creationId xmlns:a16="http://schemas.microsoft.com/office/drawing/2014/main" id="{4A694E7C-3BEB-3D5D-595D-5C0BBA636A61}"/>
+                  <a16:creationId xmlns:a16="http://schemas.microsoft.com/office/drawing/2014/main" id="{258B7C18-AABF-CCA2-6622-BB07B6A63539}"/>
                 </a:ext>
               </a:extLst>
             </p:cNvPr>
@@ -3047,8 +3047,8 @@
           </p:blipFill>
           <p:spPr>
             <a:xfrm>
-              <a:off x="-382682" y="116512"/>
-              <a:ext cx="2309775" cy="5253376"/>
+              <a:off x="4220173" y="0"/>
+              <a:ext cx="2159597" cy="5486400"/>
             </a:xfrm>
             <a:prstGeom prst="rect">
               <a:avLst/>
@@ -3057,10 +3057,10 @@
         </p:pic>
         <p:pic>
           <p:nvPicPr>
-            <p:cNvPr id="3" name="Picture 2">
+            <p:cNvPr id="13" name="Picture 12">
               <a:extLst>
                 <a:ext uri="{FF2B5EF4-FFF2-40B4-BE49-F238E27FC236}">
-                  <a16:creationId xmlns:a16="http://schemas.microsoft.com/office/drawing/2014/main" id="{22D0205C-8EC1-A36E-1613-B2113D262812}"/>
+                  <a16:creationId xmlns:a16="http://schemas.microsoft.com/office/drawing/2014/main" id="{63199394-E3DE-B53E-31A0-484AD0E936F4}"/>
                 </a:ext>
               </a:extLst>
             </p:cNvPr>
@@ -3077,8 +3077,8 @@
           </p:blipFill>
           <p:spPr>
             <a:xfrm>
-              <a:off x="4218541" y="116512"/>
-              <a:ext cx="2080749" cy="5253376"/>
+              <a:off x="2086474" y="0"/>
+              <a:ext cx="2159597" cy="5486400"/>
             </a:xfrm>
             <a:prstGeom prst="rect">
               <a:avLst/>
@@ -3087,10 +3087,10 @@
         </p:pic>
         <p:pic>
           <p:nvPicPr>
-            <p:cNvPr id="6" name="Picture 5">
+            <p:cNvPr id="10" name="Picture 9">
               <a:extLst>
                 <a:ext uri="{FF2B5EF4-FFF2-40B4-BE49-F238E27FC236}">
-                  <a16:creationId xmlns:a16="http://schemas.microsoft.com/office/drawing/2014/main" id="{D4397DE1-F5FB-11A4-1250-EEDC6C51BE00}"/>
+                  <a16:creationId xmlns:a16="http://schemas.microsoft.com/office/drawing/2014/main" id="{A74E23EF-5A19-E34B-0540-1ABB74484548}"/>
                 </a:ext>
               </a:extLst>
             </p:cNvPr>
@@ -3107,8 +3107,8 @@
           </p:blipFill>
           <p:spPr>
             <a:xfrm>
-              <a:off x="6299290" y="116512"/>
-              <a:ext cx="2078173" cy="5253376"/>
+              <a:off x="-65318" y="0"/>
+              <a:ext cx="2173045" cy="5486400"/>
             </a:xfrm>
             <a:prstGeom prst="rect">
               <a:avLst/>
@@ -3132,7 +3132,7 @@
         </p:nvSpPr>
         <p:spPr>
           <a:xfrm>
-            <a:off x="7814777" y="855090"/>
+            <a:off x="8083733" y="1449767"/>
             <a:ext cx="508512" cy="508512"/>
           </a:xfrm>
           <a:prstGeom prst="ellipse">
@@ -3197,7 +3197,7 @@
         </p:nvSpPr>
         <p:spPr>
           <a:xfrm>
-            <a:off x="6236698" y="2086928"/>
+            <a:off x="6106481" y="2525078"/>
             <a:ext cx="362222" cy="188595"/>
           </a:xfrm>
           <a:prstGeom prst="rect">
@@ -3252,7 +3252,7 @@
         </p:nvSpPr>
         <p:spPr>
           <a:xfrm>
-            <a:off x="5791654" y="1628680"/>
+            <a:off x="5543188" y="2391249"/>
             <a:ext cx="508512" cy="508512"/>
           </a:xfrm>
           <a:prstGeom prst="ellipse">
@@ -3317,8 +3317,8 @@
         </p:nvSpPr>
         <p:spPr>
           <a:xfrm>
-            <a:off x="6745210" y="1329690"/>
-            <a:ext cx="1929964" cy="775336"/>
+            <a:off x="6610616" y="1303020"/>
+            <a:ext cx="2033004" cy="802006"/>
           </a:xfrm>
           <a:prstGeom prst="rect">
             <a:avLst/>
@@ -3370,8 +3370,8 @@
         </p:nvSpPr>
         <p:spPr>
           <a:xfrm>
-            <a:off x="5229226" y="4231005"/>
-            <a:ext cx="1266824" cy="147638"/>
+            <a:off x="5031105" y="4288155"/>
+            <a:ext cx="1367790" cy="147638"/>
           </a:xfrm>
           <a:prstGeom prst="rect">
             <a:avLst/>
